--- a/knjizara.pptx
+++ b/knjizara.pptx
@@ -106,6 +106,11 @@
       </a:defRPr>
     </a:lvl9pPr>
   </p:defaultTextStyle>
+  <p:extLst>
+    <p:ext uri="{EFAFB233-063F-42B5-8137-9DF3F51BA10A}">
+      <p15:sldGuideLst xmlns:p15="http://schemas.microsoft.com/office/powerpoint/2012/main"/>
+    </p:ext>
+  </p:extLst>
 </p:presentation>
 </file>
 
@@ -8902,7 +8907,7 @@
           <a:p>
             <a:fld id="{E4DA9EF4-FFD4-4035-931E-40C6DD292BF9}" type="datetimeFigureOut">
               <a:rPr lang="en-US" smtClean="0"/>
-              <a:t>1/4/2021</a:t>
+              <a:t>19-Feb-22</a:t>
             </a:fld>
             <a:endParaRPr lang="en-US"/>
           </a:p>
@@ -9109,7 +9114,7 @@
           <a:p>
             <a:fld id="{E4DA9EF4-FFD4-4035-931E-40C6DD292BF9}" type="datetimeFigureOut">
               <a:rPr lang="en-US" smtClean="0"/>
-              <a:t>1/4/2021</a:t>
+              <a:t>19-Feb-22</a:t>
             </a:fld>
             <a:endParaRPr lang="en-US"/>
           </a:p>
@@ -9289,7 +9294,7 @@
           <a:p>
             <a:fld id="{E4DA9EF4-FFD4-4035-931E-40C6DD292BF9}" type="datetimeFigureOut">
               <a:rPr lang="en-US" smtClean="0"/>
-              <a:t>1/4/2021</a:t>
+              <a:t>19-Feb-22</a:t>
             </a:fld>
             <a:endParaRPr lang="en-US"/>
           </a:p>
@@ -9494,7 +9499,7 @@
           <a:p>
             <a:fld id="{E4DA9EF4-FFD4-4035-931E-40C6DD292BF9}" type="datetimeFigureOut">
               <a:rPr lang="en-US" smtClean="0"/>
-              <a:t>1/4/2021</a:t>
+              <a:t>19-Feb-22</a:t>
             </a:fld>
             <a:endParaRPr lang="en-US"/>
           </a:p>
@@ -18392,7 +18397,7 @@
           <a:p>
             <a:fld id="{E4DA9EF4-FFD4-4035-931E-40C6DD292BF9}" type="datetimeFigureOut">
               <a:rPr lang="en-US" smtClean="0"/>
-              <a:t>1/4/2021</a:t>
+              <a:t>19-Feb-22</a:t>
             </a:fld>
             <a:endParaRPr lang="en-US"/>
           </a:p>
@@ -18666,7 +18671,7 @@
           <a:p>
             <a:fld id="{E4DA9EF4-FFD4-4035-931E-40C6DD292BF9}" type="datetimeFigureOut">
               <a:rPr lang="en-US" smtClean="0"/>
-              <a:t>1/4/2021</a:t>
+              <a:t>19-Feb-22</a:t>
             </a:fld>
             <a:endParaRPr lang="en-US"/>
           </a:p>
@@ -19064,7 +19069,7 @@
           <a:p>
             <a:fld id="{E4DA9EF4-FFD4-4035-931E-40C6DD292BF9}" type="datetimeFigureOut">
               <a:rPr lang="en-US" smtClean="0"/>
-              <a:t>1/4/2021</a:t>
+              <a:t>19-Feb-22</a:t>
             </a:fld>
             <a:endParaRPr lang="en-US"/>
           </a:p>
@@ -19182,7 +19187,7 @@
           <a:p>
             <a:fld id="{E4DA9EF4-FFD4-4035-931E-40C6DD292BF9}" type="datetimeFigureOut">
               <a:rPr lang="en-US" smtClean="0"/>
-              <a:t>1/4/2021</a:t>
+              <a:t>19-Feb-22</a:t>
             </a:fld>
             <a:endParaRPr lang="en-US"/>
           </a:p>
@@ -19277,7 +19282,7 @@
           <a:p>
             <a:fld id="{E4DA9EF4-FFD4-4035-931E-40C6DD292BF9}" type="datetimeFigureOut">
               <a:rPr lang="en-US" smtClean="0"/>
-              <a:t>1/4/2021</a:t>
+              <a:t>19-Feb-22</a:t>
             </a:fld>
             <a:endParaRPr lang="en-US"/>
           </a:p>
@@ -19567,7 +19572,7 @@
           <a:p>
             <a:fld id="{E4DA9EF4-FFD4-4035-931E-40C6DD292BF9}" type="datetimeFigureOut">
               <a:rPr lang="en-US" smtClean="0"/>
-              <a:t>1/4/2021</a:t>
+              <a:t>19-Feb-22</a:t>
             </a:fld>
             <a:endParaRPr lang="en-US"/>
           </a:p>
@@ -19847,7 +19852,7 @@
           <a:p>
             <a:fld id="{E4DA9EF4-FFD4-4035-931E-40C6DD292BF9}" type="datetimeFigureOut">
               <a:rPr lang="en-US" smtClean="0"/>
-              <a:t>1/4/2021</a:t>
+              <a:t>19-Feb-22</a:t>
             </a:fld>
             <a:endParaRPr lang="en-US"/>
           </a:p>
@@ -20097,7 +20102,7 @@
           <a:p>
             <a:fld id="{E4DA9EF4-FFD4-4035-931E-40C6DD292BF9}" type="datetimeFigureOut">
               <a:rPr lang="en-US" smtClean="0"/>
-              <a:t>1/4/2021</a:t>
+              <a:t>19-Feb-22</a:t>
             </a:fld>
             <a:endParaRPr lang="en-US"/>
           </a:p>
@@ -20649,12 +20654,8 @@
           <a:lstStyle/>
           <a:p>
             <a:r>
-              <a:rPr lang="en-US" dirty="0"/>
-              <a:t>Jelena </a:t>
-            </a:r>
-            <a:r>
-              <a:rPr lang="en-US" dirty="0" err="1"/>
-              <a:t>Ilić</a:t>
+              <a:rPr lang="sr-Latn-RS"/>
+              <a:t>Aleksandar Vrenčev</a:t>
             </a:r>
             <a:endParaRPr lang="en-US" dirty="0"/>
           </a:p>
